--- a/Algorithms/Linear Regression/Regression Presentation.pptx
+++ b/Algorithms/Linear Regression/Regression Presentation.pptx
@@ -5,7 +5,7 @@
     <p:sldMasterId id="2147483648" r:id="rId1"/>
   </p:sldMasterIdLst>
   <p:notesMasterIdLst>
-    <p:notesMasterId r:id="rId22"/>
+    <p:notesMasterId r:id="rId24"/>
   </p:notesMasterIdLst>
   <p:sldIdLst>
     <p:sldId id="256" r:id="rId2"/>
@@ -14,20 +14,22 @@
     <p:sldId id="259" r:id="rId5"/>
     <p:sldId id="260" r:id="rId6"/>
     <p:sldId id="261" r:id="rId7"/>
-    <p:sldId id="262" r:id="rId8"/>
-    <p:sldId id="263" r:id="rId9"/>
-    <p:sldId id="264" r:id="rId10"/>
-    <p:sldId id="265" r:id="rId11"/>
-    <p:sldId id="266" r:id="rId12"/>
-    <p:sldId id="267" r:id="rId13"/>
-    <p:sldId id="268" r:id="rId14"/>
-    <p:sldId id="269" r:id="rId15"/>
-    <p:sldId id="270" r:id="rId16"/>
-    <p:sldId id="275" r:id="rId17"/>
-    <p:sldId id="271" r:id="rId18"/>
-    <p:sldId id="272" r:id="rId19"/>
-    <p:sldId id="273" r:id="rId20"/>
-    <p:sldId id="274" r:id="rId21"/>
+    <p:sldId id="277" r:id="rId8"/>
+    <p:sldId id="262" r:id="rId9"/>
+    <p:sldId id="263" r:id="rId10"/>
+    <p:sldId id="264" r:id="rId11"/>
+    <p:sldId id="265" r:id="rId12"/>
+    <p:sldId id="266" r:id="rId13"/>
+    <p:sldId id="267" r:id="rId14"/>
+    <p:sldId id="268" r:id="rId15"/>
+    <p:sldId id="269" r:id="rId16"/>
+    <p:sldId id="270" r:id="rId17"/>
+    <p:sldId id="275" r:id="rId18"/>
+    <p:sldId id="276" r:id="rId19"/>
+    <p:sldId id="271" r:id="rId20"/>
+    <p:sldId id="272" r:id="rId21"/>
+    <p:sldId id="273" r:id="rId22"/>
+    <p:sldId id="274" r:id="rId23"/>
   </p:sldIdLst>
   <p:sldSz cx="12192000" cy="6858000"/>
   <p:notesSz cx="6858000" cy="9144000"/>
@@ -261,8 +263,11 @@
     </a:lvl9pPr>
   </p:defaultTextStyle>
   <p:extLst>
+    <p:ext uri="{EFAFB233-063F-42B5-8137-9DF3F51BA10A}">
+      <p15:sldGuideLst xmlns:p15="http://schemas.microsoft.com/office/powerpoint/2012/main"/>
+    </p:ext>
     <p:ext uri="GoogleSlidesCustomDataVersion2">
-      <go:slidesCustomData xmlns:go="http://customooxmlschemas.google.com/" xmlns:ahyp="http://schemas.microsoft.com/office/drawing/2018/hyperlinkcolor" xmlns:p15="http://schemas.microsoft.com/office/powerpoint/2012/main" xmlns:p14="http://schemas.microsoft.com/office/powerpoint/2010/main" xmlns:com="http://schemas.openxmlformats.org/drawingml/2006/compatibility" xmlns:pvml="urn:schemas-microsoft-com:office:powerpoint" xmlns:v="urn:schemas-microsoft-com:vml" xmlns:o="urn:schemas-microsoft-com:office:office" xmlns:dgm="http://schemas.openxmlformats.org/drawingml/2006/diagram" xmlns:c="http://schemas.openxmlformats.org/drawingml/2006/chart" xmlns:mv="urn:schemas-microsoft-com:mac:vml" xmlns:mc="http://schemas.openxmlformats.org/markup-compatibility/2006" xmlns="" r:id="rId24" roundtripDataSignature="AMtx7mh2s95OiE7yAXPoE/jLVG0szRA/Cg=="/>
+      <go:slidesCustomData xmlns:go="http://customooxmlschemas.google.com/" xmlns:ahyp="http://schemas.microsoft.com/office/drawing/2018/hyperlinkcolor" xmlns:p15="http://schemas.microsoft.com/office/powerpoint/2012/main" xmlns:p14="http://schemas.microsoft.com/office/powerpoint/2010/main" xmlns:com="http://schemas.openxmlformats.org/drawingml/2006/compatibility" xmlns:pvml="urn:schemas-microsoft-com:office:powerpoint" xmlns:v="urn:schemas-microsoft-com:vml" xmlns:o="urn:schemas-microsoft-com:office:office" xmlns:dgm="http://schemas.openxmlformats.org/drawingml/2006/diagram" xmlns:c="http://schemas.openxmlformats.org/drawingml/2006/chart" xmlns:mv="urn:schemas-microsoft-com:mac:vml" xmlns:mc="http://schemas.openxmlformats.org/markup-compatibility/2006" xmlns="" r:id="rId25" roundtripDataSignature="AMtx7mh2s95OiE7yAXPoE/jLVG0szRA/Cg=="/>
     </p:ext>
   </p:extLst>
 </p:presentation>
@@ -13859,6 +13864,167 @@
   <p:cSld>
     <p:spTree>
       <p:nvGrpSpPr>
+        <p:cNvPr id="1" name="Shape 146"/>
+        <p:cNvGrpSpPr/>
+        <p:nvPr/>
+      </p:nvGrpSpPr>
+      <p:grpSpPr>
+        <a:xfrm>
+          <a:off x="0" y="0"/>
+          <a:ext cx="0" cy="0"/>
+          <a:chOff x="0" y="0"/>
+          <a:chExt cx="0" cy="0"/>
+        </a:xfrm>
+      </p:grpSpPr>
+      <p:sp>
+        <p:nvSpPr>
+          <p:cNvPr id="147" name="Google Shape;147;p9"/>
+          <p:cNvSpPr txBox="1">
+            <a:spLocks noGrp="1"/>
+          </p:cNvSpPr>
+          <p:nvPr>
+            <p:ph type="title"/>
+          </p:nvPr>
+        </p:nvSpPr>
+        <p:spPr>
+          <a:xfrm>
+            <a:off x="838200" y="365125"/>
+            <a:ext cx="10515600" cy="1325563"/>
+          </a:xfrm>
+          <a:prstGeom prst="rect">
+            <a:avLst/>
+          </a:prstGeom>
+          <a:noFill/>
+          <a:ln>
+            <a:noFill/>
+          </a:ln>
+        </p:spPr>
+        <p:txBody>
+          <a:bodyPr spcFirstLastPara="1" wrap="square" lIns="91425" tIns="45700" rIns="91425" bIns="45700" anchor="ctr" anchorCtr="0">
+            <a:normAutofit/>
+          </a:bodyPr>
+          <a:lstStyle/>
+          <a:p>
+            <a:pPr marL="0" lvl="0" indent="0" algn="l" rtl="0">
+              <a:lnSpc>
+                <a:spcPct val="90000"/>
+              </a:lnSpc>
+              <a:spcBef>
+                <a:spcPts val="0"/>
+              </a:spcBef>
+              <a:spcAft>
+                <a:spcPts val="0"/>
+              </a:spcAft>
+              <a:buClr>
+                <a:schemeClr val="dk1"/>
+              </a:buClr>
+              <a:buSzPts val="4400"/>
+              <a:buFont typeface="Calibri"/>
+              <a:buNone/>
+            </a:pPr>
+            <a:r>
+              <a:rPr lang="en-US"/>
+              <a:t>Python code for a0</a:t>
+            </a:r>
+            <a:endParaRPr/>
+          </a:p>
+        </p:txBody>
+      </p:sp>
+      <p:sp>
+        <p:nvSpPr>
+          <p:cNvPr id="148" name="Google Shape;148;p9"/>
+          <p:cNvSpPr txBox="1">
+            <a:spLocks noGrp="1"/>
+          </p:cNvSpPr>
+          <p:nvPr>
+            <p:ph type="body" idx="1"/>
+          </p:nvPr>
+        </p:nvSpPr>
+        <p:spPr>
+          <a:xfrm>
+            <a:off x="838200" y="1825625"/>
+            <a:ext cx="10515600" cy="4351338"/>
+          </a:xfrm>
+          <a:prstGeom prst="rect">
+            <a:avLst/>
+          </a:prstGeom>
+          <a:noFill/>
+          <a:ln>
+            <a:noFill/>
+          </a:ln>
+        </p:spPr>
+        <p:txBody>
+          <a:bodyPr spcFirstLastPara="1" wrap="square" lIns="91425" tIns="45700" rIns="91425" bIns="45700" anchor="t" anchorCtr="0">
+            <a:normAutofit/>
+          </a:bodyPr>
+          <a:lstStyle/>
+          <a:p>
+            <a:pPr marL="228600" lvl="0" indent="-50800" algn="l" rtl="0">
+              <a:lnSpc>
+                <a:spcPct val="90000"/>
+              </a:lnSpc>
+              <a:spcBef>
+                <a:spcPts val="0"/>
+              </a:spcBef>
+              <a:spcAft>
+                <a:spcPts val="0"/>
+              </a:spcAft>
+              <a:buClr>
+                <a:schemeClr val="dk1"/>
+              </a:buClr>
+              <a:buSzPts val="2800"/>
+              <a:buNone/>
+            </a:pPr>
+            <a:endParaRPr/>
+          </a:p>
+        </p:txBody>
+      </p:sp>
+      <p:pic>
+        <p:nvPicPr>
+          <p:cNvPr id="149" name="Google Shape;149;p9"/>
+          <p:cNvPicPr preferRelativeResize="0"/>
+          <p:nvPr/>
+        </p:nvPicPr>
+        <p:blipFill rotWithShape="1">
+          <a:blip r:embed="rId3">
+            <a:alphaModFix/>
+          </a:blip>
+          <a:srcRect/>
+          <a:stretch/>
+        </p:blipFill>
+        <p:spPr>
+          <a:xfrm>
+            <a:off x="2759163" y="3224375"/>
+            <a:ext cx="6673674" cy="1095375"/>
+          </a:xfrm>
+          <a:prstGeom prst="rect">
+            <a:avLst/>
+          </a:prstGeom>
+          <a:noFill/>
+          <a:ln w="9525" cap="flat" cmpd="sng">
+            <a:solidFill>
+              <a:schemeClr val="dk1"/>
+            </a:solidFill>
+            <a:prstDash val="solid"/>
+            <a:round/>
+            <a:headEnd type="none" w="sm" len="sm"/>
+            <a:tailEnd type="none" w="sm" len="sm"/>
+          </a:ln>
+        </p:spPr>
+      </p:pic>
+    </p:spTree>
+  </p:cSld>
+  <p:clrMapOvr>
+    <a:masterClrMapping/>
+  </p:clrMapOvr>
+</p:sld>
+</file>
+
+<file path=ppt/slides/slide11.xml><?xml version="1.0" encoding="utf-8"?>
+<p:sld xmlns:a="http://schemas.openxmlformats.org/drawingml/2006/main" xmlns:r="http://schemas.openxmlformats.org/officeDocument/2006/relationships" xmlns:p="http://schemas.openxmlformats.org/presentationml/2006/main">
+  <p:cSld>
+    <p:spTree>
+      <p:nvGrpSpPr>
         <p:cNvPr id="1" name="Shape 153"/>
         <p:cNvGrpSpPr/>
         <p:nvPr/>
@@ -14019,7 +14185,7 @@
 </p:sld>
 </file>
 
-<file path=ppt/slides/slide11.xml><?xml version="1.0" encoding="utf-8"?>
+<file path=ppt/slides/slide12.xml><?xml version="1.0" encoding="utf-8"?>
 <p:sld xmlns:a="http://schemas.openxmlformats.org/drawingml/2006/main" xmlns:r="http://schemas.openxmlformats.org/officeDocument/2006/relationships" xmlns:p="http://schemas.openxmlformats.org/presentationml/2006/main">
   <p:cSld>
     <p:spTree>
@@ -14279,7 +14445,7 @@
 </p:sld>
 </file>
 
-<file path=ppt/slides/slide12.xml><?xml version="1.0" encoding="utf-8"?>
+<file path=ppt/slides/slide13.xml><?xml version="1.0" encoding="utf-8"?>
 <p:sld xmlns:a="http://schemas.openxmlformats.org/drawingml/2006/main" xmlns:r="http://schemas.openxmlformats.org/officeDocument/2006/relationships" xmlns:p="http://schemas.openxmlformats.org/presentationml/2006/main">
   <p:cSld>
     <p:spTree>
@@ -14649,7 +14815,7 @@
 </p:sld>
 </file>
 
-<file path=ppt/slides/slide13.xml><?xml version="1.0" encoding="utf-8"?>
+<file path=ppt/slides/slide14.xml><?xml version="1.0" encoding="utf-8"?>
 <p:sld xmlns:a="http://schemas.openxmlformats.org/drawingml/2006/main" xmlns:r="http://schemas.openxmlformats.org/officeDocument/2006/relationships" xmlns:p="http://schemas.openxmlformats.org/presentationml/2006/main">
   <p:cSld>
     <p:spTree>
@@ -14994,7 +15160,7 @@
 </p:sld>
 </file>
 
-<file path=ppt/slides/slide14.xml><?xml version="1.0" encoding="utf-8"?>
+<file path=ppt/slides/slide15.xml><?xml version="1.0" encoding="utf-8"?>
 <p:sld xmlns:a="http://schemas.openxmlformats.org/drawingml/2006/main" xmlns:r="http://schemas.openxmlformats.org/officeDocument/2006/relationships" xmlns:p="http://schemas.openxmlformats.org/presentationml/2006/main">
   <p:cSld>
     <p:spTree>
@@ -15412,7 +15578,7 @@
 </p:sld>
 </file>
 
-<file path=ppt/slides/slide15.xml><?xml version="1.0" encoding="utf-8"?>
+<file path=ppt/slides/slide16.xml><?xml version="1.0" encoding="utf-8"?>
 <p:sld xmlns:a="http://schemas.openxmlformats.org/drawingml/2006/main" xmlns:r="http://schemas.openxmlformats.org/officeDocument/2006/relationships" xmlns:p="http://schemas.openxmlformats.org/presentationml/2006/main">
   <p:cSld>
     <p:spTree>
@@ -15846,7 +16012,7 @@
 </p:sld>
 </file>
 
-<file path=ppt/slides/slide16.xml><?xml version="1.0" encoding="utf-8"?>
+<file path=ppt/slides/slide17.xml><?xml version="1.0" encoding="utf-8"?>
 <p:sld xmlns:a="http://schemas.openxmlformats.org/drawingml/2006/main" xmlns:r="http://schemas.openxmlformats.org/officeDocument/2006/relationships" xmlns:p="http://schemas.openxmlformats.org/presentationml/2006/main">
   <p:cSld>
     <p:spTree>
@@ -15960,7 +16126,121 @@
 </p:sld>
 </file>
 
-<file path=ppt/slides/slide17.xml><?xml version="1.0" encoding="utf-8"?>
+<file path=ppt/slides/slide18.xml><?xml version="1.0" encoding="utf-8"?>
+<p:sld xmlns:a="http://schemas.openxmlformats.org/drawingml/2006/main" xmlns:r="http://schemas.openxmlformats.org/officeDocument/2006/relationships" xmlns:p="http://schemas.openxmlformats.org/presentationml/2006/main">
+  <p:cSld>
+    <p:spTree>
+      <p:nvGrpSpPr>
+        <p:cNvPr id="1" name=""/>
+        <p:cNvGrpSpPr/>
+        <p:nvPr/>
+      </p:nvGrpSpPr>
+      <p:grpSpPr>
+        <a:xfrm>
+          <a:off x="0" y="0"/>
+          <a:ext cx="0" cy="0"/>
+          <a:chOff x="0" y="0"/>
+          <a:chExt cx="0" cy="0"/>
+        </a:xfrm>
+      </p:grpSpPr>
+      <p:pic>
+        <p:nvPicPr>
+          <p:cNvPr id="5" name="Picture 4">
+            <a:extLst>
+              <a:ext uri="{FF2B5EF4-FFF2-40B4-BE49-F238E27FC236}">
+                <a16:creationId xmlns:a16="http://schemas.microsoft.com/office/drawing/2014/main" id="{6FB5F7E8-2BA7-8701-AB3E-FA50FB66A1FB}"/>
+              </a:ext>
+            </a:extLst>
+          </p:cNvPr>
+          <p:cNvPicPr>
+            <a:picLocks noChangeAspect="1"/>
+          </p:cNvPicPr>
+          <p:nvPr/>
+        </p:nvPicPr>
+        <p:blipFill>
+          <a:blip r:embed="rId2"/>
+          <a:stretch>
+            <a:fillRect/>
+          </a:stretch>
+        </p:blipFill>
+        <p:spPr>
+          <a:xfrm>
+            <a:off x="55186" y="342900"/>
+            <a:ext cx="11998876" cy="6215063"/>
+          </a:xfrm>
+          <a:prstGeom prst="rect">
+            <a:avLst/>
+          </a:prstGeom>
+        </p:spPr>
+      </p:pic>
+      <p:sp>
+        <p:nvSpPr>
+          <p:cNvPr id="6" name="Rectangle 5">
+            <a:extLst>
+              <a:ext uri="{FF2B5EF4-FFF2-40B4-BE49-F238E27FC236}">
+                <a16:creationId xmlns:a16="http://schemas.microsoft.com/office/drawing/2014/main" id="{FDC8C814-7F2F-098D-C1E0-325C13315578}"/>
+              </a:ext>
+            </a:extLst>
+          </p:cNvPr>
+          <p:cNvSpPr/>
+          <p:nvPr/>
+        </p:nvSpPr>
+        <p:spPr>
+          <a:xfrm>
+            <a:off x="9388852" y="205669"/>
+            <a:ext cx="2747962" cy="823033"/>
+          </a:xfrm>
+          <a:prstGeom prst="rect">
+            <a:avLst/>
+          </a:prstGeom>
+          <a:solidFill>
+            <a:schemeClr val="bg1"/>
+          </a:solidFill>
+          <a:ln>
+            <a:solidFill>
+              <a:schemeClr val="bg1"/>
+            </a:solidFill>
+          </a:ln>
+        </p:spPr>
+        <p:style>
+          <a:lnRef idx="2">
+            <a:schemeClr val="accent1">
+              <a:shade val="15000"/>
+            </a:schemeClr>
+          </a:lnRef>
+          <a:fillRef idx="1">
+            <a:schemeClr val="accent1"/>
+          </a:fillRef>
+          <a:effectRef idx="0">
+            <a:schemeClr val="accent1"/>
+          </a:effectRef>
+          <a:fontRef idx="minor">
+            <a:schemeClr val="lt1"/>
+          </a:fontRef>
+        </p:style>
+        <p:txBody>
+          <a:bodyPr rtlCol="0" anchor="ctr"/>
+          <a:lstStyle/>
+          <a:p>
+            <a:pPr algn="ctr"/>
+            <a:endParaRPr lang="en-US"/>
+          </a:p>
+        </p:txBody>
+      </p:sp>
+    </p:spTree>
+    <p:extLst>
+      <p:ext uri="{BB962C8B-B14F-4D97-AF65-F5344CB8AC3E}">
+        <p14:creationId xmlns:p14="http://schemas.microsoft.com/office/powerpoint/2010/main" val="2214303595"/>
+      </p:ext>
+    </p:extLst>
+  </p:cSld>
+  <p:clrMapOvr>
+    <a:masterClrMapping/>
+  </p:clrMapOvr>
+</p:sld>
+</file>
+
+<file path=ppt/slides/slide19.xml><?xml version="1.0" encoding="utf-8"?>
 <p:sld xmlns:a="http://schemas.openxmlformats.org/drawingml/2006/main" xmlns:r="http://schemas.openxmlformats.org/officeDocument/2006/relationships" xmlns:p="http://schemas.openxmlformats.org/presentationml/2006/main">
   <p:cSld>
     <p:spTree>
@@ -16116,7 +16396,303 @@
 </p:sld>
 </file>
 
-<file path=ppt/slides/slide18.xml><?xml version="1.0" encoding="utf-8"?>
+<file path=ppt/slides/slide2.xml><?xml version="1.0" encoding="utf-8"?>
+<p:sld xmlns:a="http://schemas.openxmlformats.org/drawingml/2006/main" xmlns:r="http://schemas.openxmlformats.org/officeDocument/2006/relationships" xmlns:p="http://schemas.openxmlformats.org/presentationml/2006/main">
+  <p:cSld>
+    <p:spTree>
+      <p:nvGrpSpPr>
+        <p:cNvPr id="1" name="Shape 93"/>
+        <p:cNvGrpSpPr/>
+        <p:nvPr/>
+      </p:nvGrpSpPr>
+      <p:grpSpPr>
+        <a:xfrm>
+          <a:off x="0" y="0"/>
+          <a:ext cx="0" cy="0"/>
+          <a:chOff x="0" y="0"/>
+          <a:chExt cx="0" cy="0"/>
+        </a:xfrm>
+      </p:grpSpPr>
+      <p:sp>
+        <p:nvSpPr>
+          <p:cNvPr id="94" name="Google Shape;94;p2"/>
+          <p:cNvSpPr txBox="1">
+            <a:spLocks noGrp="1"/>
+          </p:cNvSpPr>
+          <p:nvPr>
+            <p:ph type="title"/>
+          </p:nvPr>
+        </p:nvSpPr>
+        <p:spPr>
+          <a:xfrm>
+            <a:off x="838200" y="365125"/>
+            <a:ext cx="10515600" cy="1325563"/>
+          </a:xfrm>
+          <a:prstGeom prst="rect">
+            <a:avLst/>
+          </a:prstGeom>
+          <a:noFill/>
+          <a:ln>
+            <a:noFill/>
+          </a:ln>
+        </p:spPr>
+        <p:txBody>
+          <a:bodyPr spcFirstLastPara="1" wrap="square" lIns="91425" tIns="45700" rIns="91425" bIns="45700" anchor="ctr" anchorCtr="0">
+            <a:normAutofit/>
+          </a:bodyPr>
+          <a:lstStyle/>
+          <a:p>
+            <a:pPr marL="0" lvl="0" indent="0" algn="l" rtl="0">
+              <a:lnSpc>
+                <a:spcPct val="90000"/>
+              </a:lnSpc>
+              <a:spcBef>
+                <a:spcPts val="0"/>
+              </a:spcBef>
+              <a:spcAft>
+                <a:spcPts val="0"/>
+              </a:spcAft>
+              <a:buClr>
+                <a:schemeClr val="dk1"/>
+              </a:buClr>
+              <a:buSzPts val="4400"/>
+              <a:buFont typeface="Calibri"/>
+              <a:buNone/>
+            </a:pPr>
+            <a:r>
+              <a:rPr lang="en-US"/>
+              <a:t>About Regression</a:t>
+            </a:r>
+            <a:endParaRPr/>
+          </a:p>
+        </p:txBody>
+      </p:sp>
+      <p:sp>
+        <p:nvSpPr>
+          <p:cNvPr id="95" name="Google Shape;95;p2"/>
+          <p:cNvSpPr txBox="1">
+            <a:spLocks noGrp="1"/>
+          </p:cNvSpPr>
+          <p:nvPr>
+            <p:ph type="body" idx="1"/>
+          </p:nvPr>
+        </p:nvSpPr>
+        <p:spPr>
+          <a:xfrm>
+            <a:off x="838200" y="1825625"/>
+            <a:ext cx="10515600" cy="4351338"/>
+          </a:xfrm>
+          <a:prstGeom prst="rect">
+            <a:avLst/>
+          </a:prstGeom>
+          <a:noFill/>
+          <a:ln>
+            <a:noFill/>
+          </a:ln>
+        </p:spPr>
+        <p:txBody>
+          <a:bodyPr spcFirstLastPara="1" wrap="square" lIns="91425" tIns="45700" rIns="91425" bIns="45700" anchor="t" anchorCtr="0">
+            <a:normAutofit/>
+          </a:bodyPr>
+          <a:lstStyle/>
+          <a:p>
+            <a:pPr marL="228600" lvl="0" indent="-228600" algn="l" rtl="0">
+              <a:lnSpc>
+                <a:spcPct val="90000"/>
+              </a:lnSpc>
+              <a:spcBef>
+                <a:spcPts val="0"/>
+              </a:spcBef>
+              <a:spcAft>
+                <a:spcPts val="0"/>
+              </a:spcAft>
+              <a:buClr>
+                <a:schemeClr val="dk1"/>
+              </a:buClr>
+              <a:buSzPts val="2800"/>
+              <a:buChar char="•"/>
+            </a:pPr>
+            <a:r>
+              <a:rPr lang="en-US"/>
+              <a:t>What is regression?</a:t>
+            </a:r>
+            <a:endParaRPr/>
+          </a:p>
+          <a:p>
+            <a:pPr marL="228600" lvl="0" indent="-228600" algn="l" rtl="0">
+              <a:lnSpc>
+                <a:spcPct val="90000"/>
+              </a:lnSpc>
+              <a:spcBef>
+                <a:spcPts val="1000"/>
+              </a:spcBef>
+              <a:spcAft>
+                <a:spcPts val="0"/>
+              </a:spcAft>
+              <a:buClr>
+                <a:schemeClr val="dk1"/>
+              </a:buClr>
+              <a:buSzPts val="2800"/>
+              <a:buChar char="•"/>
+            </a:pPr>
+            <a:r>
+              <a:rPr lang="en-US"/>
+              <a:t>When is it used?</a:t>
+            </a:r>
+            <a:endParaRPr/>
+          </a:p>
+        </p:txBody>
+      </p:sp>
+      <p:sp>
+        <p:nvSpPr>
+          <p:cNvPr id="96" name="Google Shape;96;p2"/>
+          <p:cNvSpPr/>
+          <p:nvPr/>
+        </p:nvSpPr>
+        <p:spPr>
+          <a:xfrm>
+            <a:off x="2212180" y="3570650"/>
+            <a:ext cx="7767639" cy="646331"/>
+          </a:xfrm>
+          <a:prstGeom prst="rect">
+            <a:avLst/>
+          </a:prstGeom>
+          <a:noFill/>
+          <a:ln>
+            <a:noFill/>
+          </a:ln>
+        </p:spPr>
+        <p:txBody>
+          <a:bodyPr spcFirstLastPara="1" wrap="square" lIns="91425" tIns="45700" rIns="91425" bIns="45700" anchor="t" anchorCtr="0">
+            <a:spAutoFit/>
+          </a:bodyPr>
+          <a:lstStyle/>
+          <a:p>
+            <a:pPr marL="0" marR="0" lvl="0" indent="0" algn="ctr" rtl="0">
+              <a:spcBef>
+                <a:spcPts val="0"/>
+              </a:spcBef>
+              <a:spcAft>
+                <a:spcPts val="0"/>
+              </a:spcAft>
+              <a:buNone/>
+            </a:pPr>
+            <a:r>
+              <a:rPr lang="en-US" sz="3600" b="0" i="0" u="none" strike="noStrike" cap="none">
+                <a:solidFill>
+                  <a:schemeClr val="dk1"/>
+                </a:solidFill>
+                <a:latin typeface="Calibri"/>
+                <a:ea typeface="Calibri"/>
+                <a:cs typeface="Calibri"/>
+                <a:sym typeface="Calibri"/>
+              </a:rPr>
+              <a:t>Let’s use an example of house rent again</a:t>
+            </a:r>
+            <a:endParaRPr sz="3600" b="0" i="0" u="none" strike="noStrike" cap="none">
+              <a:solidFill>
+                <a:schemeClr val="dk1"/>
+              </a:solidFill>
+              <a:latin typeface="Calibri"/>
+              <a:ea typeface="Calibri"/>
+              <a:cs typeface="Calibri"/>
+              <a:sym typeface="Calibri"/>
+            </a:endParaRPr>
+          </a:p>
+        </p:txBody>
+      </p:sp>
+    </p:spTree>
+  </p:cSld>
+  <p:clrMapOvr>
+    <a:masterClrMapping/>
+  </p:clrMapOvr>
+  <p:timing>
+    <p:tnLst>
+      <p:par>
+        <p:cTn id="1" dur="indefinite" restart="never" nodeType="tmRoot">
+          <p:childTnLst>
+            <p:seq concurrent="1" nextAc="seek">
+              <p:cTn id="2" dur="indefinite" nodeType="mainSeq">
+                <p:childTnLst>
+                  <p:par>
+                    <p:cTn id="3" fill="hold">
+                      <p:stCondLst>
+                        <p:cond delay="indefinite"/>
+                      </p:stCondLst>
+                      <p:childTnLst>
+                        <p:par>
+                          <p:cTn id="4" fill="hold">
+                            <p:stCondLst>
+                              <p:cond delay="0"/>
+                            </p:stCondLst>
+                            <p:childTnLst>
+                              <p:par>
+                                <p:cTn id="5" presetID="10" presetClass="entr" presetSubtype="0" fill="hold" nodeType="clickEffect">
+                                  <p:stCondLst>
+                                    <p:cond delay="0"/>
+                                  </p:stCondLst>
+                                  <p:childTnLst>
+                                    <p:set>
+                                      <p:cBhvr>
+                                        <p:cTn id="6" dur="1" fill="hold">
+                                          <p:stCondLst>
+                                            <p:cond delay="0"/>
+                                          </p:stCondLst>
+                                        </p:cTn>
+                                        <p:tgtEl>
+                                          <p:spTgt spid="96"/>
+                                        </p:tgtEl>
+                                        <p:attrNameLst>
+                                          <p:attrName>style.visibility</p:attrName>
+                                        </p:attrNameLst>
+                                      </p:cBhvr>
+                                      <p:to>
+                                        <p:strVal val="visible"/>
+                                      </p:to>
+                                    </p:set>
+                                    <p:animEffect transition="in" filter="fade">
+                                      <p:cBhvr>
+                                        <p:cTn id="7" dur="500"/>
+                                        <p:tgtEl>
+                                          <p:spTgt spid="96"/>
+                                        </p:tgtEl>
+                                      </p:cBhvr>
+                                    </p:animEffect>
+                                  </p:childTnLst>
+                                </p:cTn>
+                              </p:par>
+                            </p:childTnLst>
+                          </p:cTn>
+                        </p:par>
+                      </p:childTnLst>
+                    </p:cTn>
+                  </p:par>
+                </p:childTnLst>
+              </p:cTn>
+              <p:prevCondLst>
+                <p:cond evt="onPrev" delay="0">
+                  <p:tgtEl>
+                    <p:sldTgt/>
+                  </p:tgtEl>
+                </p:cond>
+              </p:prevCondLst>
+              <p:nextCondLst>
+                <p:cond evt="onNext" delay="0">
+                  <p:tgtEl>
+                    <p:sldTgt/>
+                  </p:tgtEl>
+                </p:cond>
+              </p:nextCondLst>
+            </p:seq>
+          </p:childTnLst>
+        </p:cTn>
+      </p:par>
+    </p:tnLst>
+  </p:timing>
+</p:sld>
+</file>
+
+<file path=ppt/slides/slide20.xml><?xml version="1.0" encoding="utf-8"?>
 <p:sld xmlns:a="http://schemas.openxmlformats.org/drawingml/2006/main" xmlns:r="http://schemas.openxmlformats.org/officeDocument/2006/relationships" xmlns:p="http://schemas.openxmlformats.org/presentationml/2006/main">
   <p:cSld>
     <p:spTree>
@@ -16469,7 +17045,7 @@
 </p:sld>
 </file>
 
-<file path=ppt/slides/slide19.xml><?xml version="1.0" encoding="utf-8"?>
+<file path=ppt/slides/slide21.xml><?xml version="1.0" encoding="utf-8"?>
 <p:sld xmlns:a="http://schemas.openxmlformats.org/drawingml/2006/main" xmlns:r="http://schemas.openxmlformats.org/officeDocument/2006/relationships" xmlns:p="http://schemas.openxmlformats.org/presentationml/2006/main">
   <p:cSld>
     <p:spTree>
@@ -16876,303 +17452,7 @@
 </p:sld>
 </file>
 
-<file path=ppt/slides/slide2.xml><?xml version="1.0" encoding="utf-8"?>
-<p:sld xmlns:a="http://schemas.openxmlformats.org/drawingml/2006/main" xmlns:r="http://schemas.openxmlformats.org/officeDocument/2006/relationships" xmlns:p="http://schemas.openxmlformats.org/presentationml/2006/main">
-  <p:cSld>
-    <p:spTree>
-      <p:nvGrpSpPr>
-        <p:cNvPr id="1" name="Shape 93"/>
-        <p:cNvGrpSpPr/>
-        <p:nvPr/>
-      </p:nvGrpSpPr>
-      <p:grpSpPr>
-        <a:xfrm>
-          <a:off x="0" y="0"/>
-          <a:ext cx="0" cy="0"/>
-          <a:chOff x="0" y="0"/>
-          <a:chExt cx="0" cy="0"/>
-        </a:xfrm>
-      </p:grpSpPr>
-      <p:sp>
-        <p:nvSpPr>
-          <p:cNvPr id="94" name="Google Shape;94;p2"/>
-          <p:cNvSpPr txBox="1">
-            <a:spLocks noGrp="1"/>
-          </p:cNvSpPr>
-          <p:nvPr>
-            <p:ph type="title"/>
-          </p:nvPr>
-        </p:nvSpPr>
-        <p:spPr>
-          <a:xfrm>
-            <a:off x="838200" y="365125"/>
-            <a:ext cx="10515600" cy="1325563"/>
-          </a:xfrm>
-          <a:prstGeom prst="rect">
-            <a:avLst/>
-          </a:prstGeom>
-          <a:noFill/>
-          <a:ln>
-            <a:noFill/>
-          </a:ln>
-        </p:spPr>
-        <p:txBody>
-          <a:bodyPr spcFirstLastPara="1" wrap="square" lIns="91425" tIns="45700" rIns="91425" bIns="45700" anchor="ctr" anchorCtr="0">
-            <a:normAutofit/>
-          </a:bodyPr>
-          <a:lstStyle/>
-          <a:p>
-            <a:pPr marL="0" lvl="0" indent="0" algn="l" rtl="0">
-              <a:lnSpc>
-                <a:spcPct val="90000"/>
-              </a:lnSpc>
-              <a:spcBef>
-                <a:spcPts val="0"/>
-              </a:spcBef>
-              <a:spcAft>
-                <a:spcPts val="0"/>
-              </a:spcAft>
-              <a:buClr>
-                <a:schemeClr val="dk1"/>
-              </a:buClr>
-              <a:buSzPts val="4400"/>
-              <a:buFont typeface="Calibri"/>
-              <a:buNone/>
-            </a:pPr>
-            <a:r>
-              <a:rPr lang="en-US"/>
-              <a:t>About Regression</a:t>
-            </a:r>
-            <a:endParaRPr/>
-          </a:p>
-        </p:txBody>
-      </p:sp>
-      <p:sp>
-        <p:nvSpPr>
-          <p:cNvPr id="95" name="Google Shape;95;p2"/>
-          <p:cNvSpPr txBox="1">
-            <a:spLocks noGrp="1"/>
-          </p:cNvSpPr>
-          <p:nvPr>
-            <p:ph type="body" idx="1"/>
-          </p:nvPr>
-        </p:nvSpPr>
-        <p:spPr>
-          <a:xfrm>
-            <a:off x="838200" y="1825625"/>
-            <a:ext cx="10515600" cy="4351338"/>
-          </a:xfrm>
-          <a:prstGeom prst="rect">
-            <a:avLst/>
-          </a:prstGeom>
-          <a:noFill/>
-          <a:ln>
-            <a:noFill/>
-          </a:ln>
-        </p:spPr>
-        <p:txBody>
-          <a:bodyPr spcFirstLastPara="1" wrap="square" lIns="91425" tIns="45700" rIns="91425" bIns="45700" anchor="t" anchorCtr="0">
-            <a:normAutofit/>
-          </a:bodyPr>
-          <a:lstStyle/>
-          <a:p>
-            <a:pPr marL="228600" lvl="0" indent="-228600" algn="l" rtl="0">
-              <a:lnSpc>
-                <a:spcPct val="90000"/>
-              </a:lnSpc>
-              <a:spcBef>
-                <a:spcPts val="0"/>
-              </a:spcBef>
-              <a:spcAft>
-                <a:spcPts val="0"/>
-              </a:spcAft>
-              <a:buClr>
-                <a:schemeClr val="dk1"/>
-              </a:buClr>
-              <a:buSzPts val="2800"/>
-              <a:buChar char="•"/>
-            </a:pPr>
-            <a:r>
-              <a:rPr lang="en-US"/>
-              <a:t>What is regression?</a:t>
-            </a:r>
-            <a:endParaRPr/>
-          </a:p>
-          <a:p>
-            <a:pPr marL="228600" lvl="0" indent="-228600" algn="l" rtl="0">
-              <a:lnSpc>
-                <a:spcPct val="90000"/>
-              </a:lnSpc>
-              <a:spcBef>
-                <a:spcPts val="1000"/>
-              </a:spcBef>
-              <a:spcAft>
-                <a:spcPts val="0"/>
-              </a:spcAft>
-              <a:buClr>
-                <a:schemeClr val="dk1"/>
-              </a:buClr>
-              <a:buSzPts val="2800"/>
-              <a:buChar char="•"/>
-            </a:pPr>
-            <a:r>
-              <a:rPr lang="en-US"/>
-              <a:t>When is it used?</a:t>
-            </a:r>
-            <a:endParaRPr/>
-          </a:p>
-        </p:txBody>
-      </p:sp>
-      <p:sp>
-        <p:nvSpPr>
-          <p:cNvPr id="96" name="Google Shape;96;p2"/>
-          <p:cNvSpPr/>
-          <p:nvPr/>
-        </p:nvSpPr>
-        <p:spPr>
-          <a:xfrm>
-            <a:off x="2212180" y="3570650"/>
-            <a:ext cx="7767639" cy="646331"/>
-          </a:xfrm>
-          <a:prstGeom prst="rect">
-            <a:avLst/>
-          </a:prstGeom>
-          <a:noFill/>
-          <a:ln>
-            <a:noFill/>
-          </a:ln>
-        </p:spPr>
-        <p:txBody>
-          <a:bodyPr spcFirstLastPara="1" wrap="square" lIns="91425" tIns="45700" rIns="91425" bIns="45700" anchor="t" anchorCtr="0">
-            <a:spAutoFit/>
-          </a:bodyPr>
-          <a:lstStyle/>
-          <a:p>
-            <a:pPr marL="0" marR="0" lvl="0" indent="0" algn="ctr" rtl="0">
-              <a:spcBef>
-                <a:spcPts val="0"/>
-              </a:spcBef>
-              <a:spcAft>
-                <a:spcPts val="0"/>
-              </a:spcAft>
-              <a:buNone/>
-            </a:pPr>
-            <a:r>
-              <a:rPr lang="en-US" sz="3600" b="0" i="0" u="none" strike="noStrike" cap="none">
-                <a:solidFill>
-                  <a:schemeClr val="dk1"/>
-                </a:solidFill>
-                <a:latin typeface="Calibri"/>
-                <a:ea typeface="Calibri"/>
-                <a:cs typeface="Calibri"/>
-                <a:sym typeface="Calibri"/>
-              </a:rPr>
-              <a:t>Let’s use an example of house rent again</a:t>
-            </a:r>
-            <a:endParaRPr sz="3600" b="0" i="0" u="none" strike="noStrike" cap="none">
-              <a:solidFill>
-                <a:schemeClr val="dk1"/>
-              </a:solidFill>
-              <a:latin typeface="Calibri"/>
-              <a:ea typeface="Calibri"/>
-              <a:cs typeface="Calibri"/>
-              <a:sym typeface="Calibri"/>
-            </a:endParaRPr>
-          </a:p>
-        </p:txBody>
-      </p:sp>
-    </p:spTree>
-  </p:cSld>
-  <p:clrMapOvr>
-    <a:masterClrMapping/>
-  </p:clrMapOvr>
-  <p:timing>
-    <p:tnLst>
-      <p:par>
-        <p:cTn id="1" dur="indefinite" restart="never" nodeType="tmRoot">
-          <p:childTnLst>
-            <p:seq concurrent="1" nextAc="seek">
-              <p:cTn id="2" dur="indefinite" nodeType="mainSeq">
-                <p:childTnLst>
-                  <p:par>
-                    <p:cTn id="3" fill="hold">
-                      <p:stCondLst>
-                        <p:cond delay="indefinite"/>
-                      </p:stCondLst>
-                      <p:childTnLst>
-                        <p:par>
-                          <p:cTn id="4" fill="hold">
-                            <p:stCondLst>
-                              <p:cond delay="0"/>
-                            </p:stCondLst>
-                            <p:childTnLst>
-                              <p:par>
-                                <p:cTn id="5" presetID="10" presetClass="entr" presetSubtype="0" fill="hold" nodeType="clickEffect">
-                                  <p:stCondLst>
-                                    <p:cond delay="0"/>
-                                  </p:stCondLst>
-                                  <p:childTnLst>
-                                    <p:set>
-                                      <p:cBhvr>
-                                        <p:cTn id="6" dur="1" fill="hold">
-                                          <p:stCondLst>
-                                            <p:cond delay="0"/>
-                                          </p:stCondLst>
-                                        </p:cTn>
-                                        <p:tgtEl>
-                                          <p:spTgt spid="96"/>
-                                        </p:tgtEl>
-                                        <p:attrNameLst>
-                                          <p:attrName>style.visibility</p:attrName>
-                                        </p:attrNameLst>
-                                      </p:cBhvr>
-                                      <p:to>
-                                        <p:strVal val="visible"/>
-                                      </p:to>
-                                    </p:set>
-                                    <p:animEffect transition="in" filter="fade">
-                                      <p:cBhvr>
-                                        <p:cTn id="7" dur="500"/>
-                                        <p:tgtEl>
-                                          <p:spTgt spid="96"/>
-                                        </p:tgtEl>
-                                      </p:cBhvr>
-                                    </p:animEffect>
-                                  </p:childTnLst>
-                                </p:cTn>
-                              </p:par>
-                            </p:childTnLst>
-                          </p:cTn>
-                        </p:par>
-                      </p:childTnLst>
-                    </p:cTn>
-                  </p:par>
-                </p:childTnLst>
-              </p:cTn>
-              <p:prevCondLst>
-                <p:cond evt="onPrev" delay="0">
-                  <p:tgtEl>
-                    <p:sldTgt/>
-                  </p:tgtEl>
-                </p:cond>
-              </p:prevCondLst>
-              <p:nextCondLst>
-                <p:cond evt="onNext" delay="0">
-                  <p:tgtEl>
-                    <p:sldTgt/>
-                  </p:tgtEl>
-                </p:cond>
-              </p:nextCondLst>
-            </p:seq>
-          </p:childTnLst>
-        </p:cTn>
-      </p:par>
-    </p:tnLst>
-  </p:timing>
-</p:sld>
-</file>
-
-<file path=ppt/slides/slide20.xml><?xml version="1.0" encoding="utf-8"?>
+<file path=ppt/slides/slide22.xml><?xml version="1.0" encoding="utf-8"?>
 <p:sld xmlns:a="http://schemas.openxmlformats.org/drawingml/2006/main" xmlns:r="http://schemas.openxmlformats.org/officeDocument/2006/relationships" xmlns:p="http://schemas.openxmlformats.org/presentationml/2006/main">
   <p:cSld>
     <p:spTree>
@@ -18338,6 +18618,101 @@
   <p:cSld>
     <p:spTree>
       <p:nvGrpSpPr>
+        <p:cNvPr id="1" name=""/>
+        <p:cNvGrpSpPr/>
+        <p:nvPr/>
+      </p:nvGrpSpPr>
+      <p:grpSpPr>
+        <a:xfrm>
+          <a:off x="0" y="0"/>
+          <a:ext cx="0" cy="0"/>
+          <a:chOff x="0" y="0"/>
+          <a:chExt cx="0" cy="0"/>
+        </a:xfrm>
+      </p:grpSpPr>
+      <p:pic>
+        <p:nvPicPr>
+          <p:cNvPr id="5" name="Picture 4">
+            <a:extLst>
+              <a:ext uri="{FF2B5EF4-FFF2-40B4-BE49-F238E27FC236}">
+                <a16:creationId xmlns:a16="http://schemas.microsoft.com/office/drawing/2014/main" id="{C0ECFB9A-907F-AACB-B82A-1C239B01E0F1}"/>
+              </a:ext>
+            </a:extLst>
+          </p:cNvPr>
+          <p:cNvPicPr>
+            <a:picLocks noChangeAspect="1"/>
+          </p:cNvPicPr>
+          <p:nvPr/>
+        </p:nvPicPr>
+        <p:blipFill>
+          <a:blip r:embed="rId2"/>
+          <a:stretch>
+            <a:fillRect/>
+          </a:stretch>
+        </p:blipFill>
+        <p:spPr>
+          <a:xfrm>
+            <a:off x="0" y="1656371"/>
+            <a:ext cx="12192000" cy="3545257"/>
+          </a:xfrm>
+          <a:prstGeom prst="rect">
+            <a:avLst/>
+          </a:prstGeom>
+        </p:spPr>
+      </p:pic>
+      <p:sp>
+        <p:nvSpPr>
+          <p:cNvPr id="6" name="TextBox 5">
+            <a:extLst>
+              <a:ext uri="{FF2B5EF4-FFF2-40B4-BE49-F238E27FC236}">
+                <a16:creationId xmlns:a16="http://schemas.microsoft.com/office/drawing/2014/main" id="{BEDDF1C9-F07E-76C9-9411-A2BD812405A1}"/>
+              </a:ext>
+            </a:extLst>
+          </p:cNvPr>
+          <p:cNvSpPr txBox="1"/>
+          <p:nvPr/>
+        </p:nvSpPr>
+        <p:spPr>
+          <a:xfrm>
+            <a:off x="814388" y="685800"/>
+            <a:ext cx="5493812" cy="646331"/>
+          </a:xfrm>
+          <a:prstGeom prst="rect">
+            <a:avLst/>
+          </a:prstGeom>
+          <a:noFill/>
+        </p:spPr>
+        <p:txBody>
+          <a:bodyPr wrap="none" rtlCol="0">
+            <a:spAutoFit/>
+          </a:bodyPr>
+          <a:lstStyle/>
+          <a:p>
+            <a:r>
+              <a:rPr lang="en-US" sz="3600" dirty="0"/>
+              <a:t>Multiple linear Regression</a:t>
+            </a:r>
+          </a:p>
+        </p:txBody>
+      </p:sp>
+    </p:spTree>
+    <p:extLst>
+      <p:ext uri="{BB962C8B-B14F-4D97-AF65-F5344CB8AC3E}">
+        <p14:creationId xmlns:p14="http://schemas.microsoft.com/office/powerpoint/2010/main" val="1361209410"/>
+      </p:ext>
+    </p:extLst>
+  </p:cSld>
+  <p:clrMapOvr>
+    <a:masterClrMapping/>
+  </p:clrMapOvr>
+</p:sld>
+</file>
+
+<file path=ppt/slides/slide8.xml><?xml version="1.0" encoding="utf-8"?>
+<p:sld xmlns:a="http://schemas.openxmlformats.org/drawingml/2006/main" xmlns:r="http://schemas.openxmlformats.org/officeDocument/2006/relationships" xmlns:p="http://schemas.openxmlformats.org/presentationml/2006/main">
+  <p:cSld>
+    <p:spTree>
+      <p:nvGrpSpPr>
         <p:cNvPr id="1" name="Shape 131"/>
         <p:cNvGrpSpPr/>
         <p:nvPr/>
@@ -18598,7 +18973,7 @@
 </p:sld>
 </file>
 
-<file path=ppt/slides/slide8.xml><?xml version="1.0" encoding="utf-8"?>
+<file path=ppt/slides/slide9.xml><?xml version="1.0" encoding="utf-8"?>
 <p:sld xmlns:a="http://schemas.openxmlformats.org/drawingml/2006/main" xmlns:r="http://schemas.openxmlformats.org/officeDocument/2006/relationships" xmlns:p="http://schemas.openxmlformats.org/presentationml/2006/main">
   <p:cSld>
     <p:spTree>
@@ -18669,55 +19044,6 @@
           </a:p>
         </p:txBody>
       </p:sp>
-      <p:sp>
-        <p:nvSpPr>
-          <p:cNvPr id="141" name="Google Shape;141;p8"/>
-          <p:cNvSpPr txBox="1">
-            <a:spLocks noGrp="1"/>
-          </p:cNvSpPr>
-          <p:nvPr>
-            <p:ph type="body" idx="1"/>
-          </p:nvPr>
-        </p:nvSpPr>
-        <p:spPr>
-          <a:xfrm>
-            <a:off x="838200" y="1825625"/>
-            <a:ext cx="10515600" cy="4351338"/>
-          </a:xfrm>
-          <a:prstGeom prst="rect">
-            <a:avLst/>
-          </a:prstGeom>
-          <a:noFill/>
-          <a:ln>
-            <a:noFill/>
-          </a:ln>
-        </p:spPr>
-        <p:txBody>
-          <a:bodyPr spcFirstLastPara="1" wrap="square" lIns="91425" tIns="45700" rIns="91425" bIns="45700" anchor="t" anchorCtr="0">
-            <a:normAutofit/>
-          </a:bodyPr>
-          <a:lstStyle/>
-          <a:p>
-            <a:pPr marL="228600" lvl="0" indent="-50800" algn="l" rtl="0">
-              <a:lnSpc>
-                <a:spcPct val="90000"/>
-              </a:lnSpc>
-              <a:spcBef>
-                <a:spcPts val="0"/>
-              </a:spcBef>
-              <a:spcAft>
-                <a:spcPts val="0"/>
-              </a:spcAft>
-              <a:buClr>
-                <a:schemeClr val="dk1"/>
-              </a:buClr>
-              <a:buSzPts val="2800"/>
-              <a:buNone/>
-            </a:pPr>
-            <a:endParaRPr/>
-          </a:p>
-        </p:txBody>
-      </p:sp>
       <p:pic>
         <p:nvPicPr>
           <p:cNvPr id="142" name="Google Shape;142;p8"/>
@@ -18735,167 +19061,6 @@
           <a:xfrm>
             <a:off x="1633537" y="1825625"/>
             <a:ext cx="8924925" cy="4724400"/>
-          </a:xfrm>
-          <a:prstGeom prst="rect">
-            <a:avLst/>
-          </a:prstGeom>
-          <a:noFill/>
-          <a:ln w="9525" cap="flat" cmpd="sng">
-            <a:solidFill>
-              <a:schemeClr val="dk1"/>
-            </a:solidFill>
-            <a:prstDash val="solid"/>
-            <a:round/>
-            <a:headEnd type="none" w="sm" len="sm"/>
-            <a:tailEnd type="none" w="sm" len="sm"/>
-          </a:ln>
-        </p:spPr>
-      </p:pic>
-    </p:spTree>
-  </p:cSld>
-  <p:clrMapOvr>
-    <a:masterClrMapping/>
-  </p:clrMapOvr>
-</p:sld>
-</file>
-
-<file path=ppt/slides/slide9.xml><?xml version="1.0" encoding="utf-8"?>
-<p:sld xmlns:a="http://schemas.openxmlformats.org/drawingml/2006/main" xmlns:r="http://schemas.openxmlformats.org/officeDocument/2006/relationships" xmlns:p="http://schemas.openxmlformats.org/presentationml/2006/main">
-  <p:cSld>
-    <p:spTree>
-      <p:nvGrpSpPr>
-        <p:cNvPr id="1" name="Shape 146"/>
-        <p:cNvGrpSpPr/>
-        <p:nvPr/>
-      </p:nvGrpSpPr>
-      <p:grpSpPr>
-        <a:xfrm>
-          <a:off x="0" y="0"/>
-          <a:ext cx="0" cy="0"/>
-          <a:chOff x="0" y="0"/>
-          <a:chExt cx="0" cy="0"/>
-        </a:xfrm>
-      </p:grpSpPr>
-      <p:sp>
-        <p:nvSpPr>
-          <p:cNvPr id="147" name="Google Shape;147;p9"/>
-          <p:cNvSpPr txBox="1">
-            <a:spLocks noGrp="1"/>
-          </p:cNvSpPr>
-          <p:nvPr>
-            <p:ph type="title"/>
-          </p:nvPr>
-        </p:nvSpPr>
-        <p:spPr>
-          <a:xfrm>
-            <a:off x="838200" y="365125"/>
-            <a:ext cx="10515600" cy="1325563"/>
-          </a:xfrm>
-          <a:prstGeom prst="rect">
-            <a:avLst/>
-          </a:prstGeom>
-          <a:noFill/>
-          <a:ln>
-            <a:noFill/>
-          </a:ln>
-        </p:spPr>
-        <p:txBody>
-          <a:bodyPr spcFirstLastPara="1" wrap="square" lIns="91425" tIns="45700" rIns="91425" bIns="45700" anchor="ctr" anchorCtr="0">
-            <a:normAutofit/>
-          </a:bodyPr>
-          <a:lstStyle/>
-          <a:p>
-            <a:pPr marL="0" lvl="0" indent="0" algn="l" rtl="0">
-              <a:lnSpc>
-                <a:spcPct val="90000"/>
-              </a:lnSpc>
-              <a:spcBef>
-                <a:spcPts val="0"/>
-              </a:spcBef>
-              <a:spcAft>
-                <a:spcPts val="0"/>
-              </a:spcAft>
-              <a:buClr>
-                <a:schemeClr val="dk1"/>
-              </a:buClr>
-              <a:buSzPts val="4400"/>
-              <a:buFont typeface="Calibri"/>
-              <a:buNone/>
-            </a:pPr>
-            <a:r>
-              <a:rPr lang="en-US"/>
-              <a:t>Python code for a0</a:t>
-            </a:r>
-            <a:endParaRPr/>
-          </a:p>
-        </p:txBody>
-      </p:sp>
-      <p:sp>
-        <p:nvSpPr>
-          <p:cNvPr id="148" name="Google Shape;148;p9"/>
-          <p:cNvSpPr txBox="1">
-            <a:spLocks noGrp="1"/>
-          </p:cNvSpPr>
-          <p:nvPr>
-            <p:ph type="body" idx="1"/>
-          </p:nvPr>
-        </p:nvSpPr>
-        <p:spPr>
-          <a:xfrm>
-            <a:off x="838200" y="1825625"/>
-            <a:ext cx="10515600" cy="4351338"/>
-          </a:xfrm>
-          <a:prstGeom prst="rect">
-            <a:avLst/>
-          </a:prstGeom>
-          <a:noFill/>
-          <a:ln>
-            <a:noFill/>
-          </a:ln>
-        </p:spPr>
-        <p:txBody>
-          <a:bodyPr spcFirstLastPara="1" wrap="square" lIns="91425" tIns="45700" rIns="91425" bIns="45700" anchor="t" anchorCtr="0">
-            <a:normAutofit/>
-          </a:bodyPr>
-          <a:lstStyle/>
-          <a:p>
-            <a:pPr marL="228600" lvl="0" indent="-50800" algn="l" rtl="0">
-              <a:lnSpc>
-                <a:spcPct val="90000"/>
-              </a:lnSpc>
-              <a:spcBef>
-                <a:spcPts val="0"/>
-              </a:spcBef>
-              <a:spcAft>
-                <a:spcPts val="0"/>
-              </a:spcAft>
-              <a:buClr>
-                <a:schemeClr val="dk1"/>
-              </a:buClr>
-              <a:buSzPts val="2800"/>
-              <a:buNone/>
-            </a:pPr>
-            <a:endParaRPr/>
-          </a:p>
-        </p:txBody>
-      </p:sp>
-      <p:pic>
-        <p:nvPicPr>
-          <p:cNvPr id="149" name="Google Shape;149;p9"/>
-          <p:cNvPicPr preferRelativeResize="0"/>
-          <p:nvPr/>
-        </p:nvPicPr>
-        <p:blipFill rotWithShape="1">
-          <a:blip r:embed="rId3">
-            <a:alphaModFix/>
-          </a:blip>
-          <a:srcRect/>
-          <a:stretch/>
-        </p:blipFill>
-        <p:spPr>
-          <a:xfrm>
-            <a:off x="2759163" y="3224375"/>
-            <a:ext cx="6673674" cy="1095375"/>
           </a:xfrm>
           <a:prstGeom prst="rect">
             <a:avLst/>
